--- a/Presentation 2/Krish/Important_links_to_be_added_to_website.pptx
+++ b/Presentation 2/Krish/Important_links_to_be_added_to_website.pptx
@@ -105,6 +105,11 @@
       </a:defRPr>
     </a:lvl9pPr>
   </p:defaultTextStyle>
+  <p:extLst>
+    <p:ext uri="{EFAFB233-063F-42B5-8137-9DF3F51BA10A}">
+      <p15:sldGuideLst xmlns:p15="http://schemas.microsoft.com/office/powerpoint/2012/main"/>
+    </p:ext>
+  </p:extLst>
 </p:presentation>
 </file>
 
@@ -255,7 +260,7 @@
           <a:p>
             <a:fld id="{39F95AE3-A469-431A-989D-9980D1D7EF03}" type="datetimeFigureOut">
               <a:rPr lang="en-US" smtClean="0"/>
-              <a:t>1/27/2025</a:t>
+              <a:t>1/28/2025</a:t>
             </a:fld>
             <a:endParaRPr lang="en-US"/>
           </a:p>
@@ -453,7 +458,7 @@
           <a:p>
             <a:fld id="{39F95AE3-A469-431A-989D-9980D1D7EF03}" type="datetimeFigureOut">
               <a:rPr lang="en-US" smtClean="0"/>
-              <a:t>1/27/2025</a:t>
+              <a:t>1/28/2025</a:t>
             </a:fld>
             <a:endParaRPr lang="en-US"/>
           </a:p>
@@ -661,7 +666,7 @@
           <a:p>
             <a:fld id="{39F95AE3-A469-431A-989D-9980D1D7EF03}" type="datetimeFigureOut">
               <a:rPr lang="en-US" smtClean="0"/>
-              <a:t>1/27/2025</a:t>
+              <a:t>1/28/2025</a:t>
             </a:fld>
             <a:endParaRPr lang="en-US"/>
           </a:p>
@@ -859,7 +864,7 @@
           <a:p>
             <a:fld id="{39F95AE3-A469-431A-989D-9980D1D7EF03}" type="datetimeFigureOut">
               <a:rPr lang="en-US" smtClean="0"/>
-              <a:t>1/27/2025</a:t>
+              <a:t>1/28/2025</a:t>
             </a:fld>
             <a:endParaRPr lang="en-US"/>
           </a:p>
@@ -1134,7 +1139,7 @@
           <a:p>
             <a:fld id="{39F95AE3-A469-431A-989D-9980D1D7EF03}" type="datetimeFigureOut">
               <a:rPr lang="en-US" smtClean="0"/>
-              <a:t>1/27/2025</a:t>
+              <a:t>1/28/2025</a:t>
             </a:fld>
             <a:endParaRPr lang="en-US"/>
           </a:p>
@@ -1399,7 +1404,7 @@
           <a:p>
             <a:fld id="{39F95AE3-A469-431A-989D-9980D1D7EF03}" type="datetimeFigureOut">
               <a:rPr lang="en-US" smtClean="0"/>
-              <a:t>1/27/2025</a:t>
+              <a:t>1/28/2025</a:t>
             </a:fld>
             <a:endParaRPr lang="en-US"/>
           </a:p>
@@ -1811,7 +1816,7 @@
           <a:p>
             <a:fld id="{39F95AE3-A469-431A-989D-9980D1D7EF03}" type="datetimeFigureOut">
               <a:rPr lang="en-US" smtClean="0"/>
-              <a:t>1/27/2025</a:t>
+              <a:t>1/28/2025</a:t>
             </a:fld>
             <a:endParaRPr lang="en-US"/>
           </a:p>
@@ -1952,7 +1957,7 @@
           <a:p>
             <a:fld id="{39F95AE3-A469-431A-989D-9980D1D7EF03}" type="datetimeFigureOut">
               <a:rPr lang="en-US" smtClean="0"/>
-              <a:t>1/27/2025</a:t>
+              <a:t>1/28/2025</a:t>
             </a:fld>
             <a:endParaRPr lang="en-US"/>
           </a:p>
@@ -2065,7 +2070,7 @@
           <a:p>
             <a:fld id="{39F95AE3-A469-431A-989D-9980D1D7EF03}" type="datetimeFigureOut">
               <a:rPr lang="en-US" smtClean="0"/>
-              <a:t>1/27/2025</a:t>
+              <a:t>1/28/2025</a:t>
             </a:fld>
             <a:endParaRPr lang="en-US"/>
           </a:p>
@@ -2376,7 +2381,7 @@
           <a:p>
             <a:fld id="{39F95AE3-A469-431A-989D-9980D1D7EF03}" type="datetimeFigureOut">
               <a:rPr lang="en-US" smtClean="0"/>
-              <a:t>1/27/2025</a:t>
+              <a:t>1/28/2025</a:t>
             </a:fld>
             <a:endParaRPr lang="en-US"/>
           </a:p>
@@ -2664,7 +2669,7 @@
           <a:p>
             <a:fld id="{39F95AE3-A469-431A-989D-9980D1D7EF03}" type="datetimeFigureOut">
               <a:rPr lang="en-US" smtClean="0"/>
-              <a:t>1/27/2025</a:t>
+              <a:t>1/28/2025</a:t>
             </a:fld>
             <a:endParaRPr lang="en-US"/>
           </a:p>
@@ -2905,7 +2910,7 @@
           <a:p>
             <a:fld id="{39F95AE3-A469-431A-989D-9980D1D7EF03}" type="datetimeFigureOut">
               <a:rPr lang="en-US" smtClean="0"/>
-              <a:t>1/27/2025</a:t>
+              <a:t>1/28/2025</a:t>
             </a:fld>
             <a:endParaRPr lang="en-US"/>
           </a:p>
@@ -3477,11 +3482,15 @@
               <a:rPr lang="en-US" dirty="0"/>
               <a:t>Eli (&amp; Kenny’s) patching code (slightly different from Alyssa’s code): </a:t>
             </a:r>
-            <a:r>
-              <a:rPr lang="en-US" dirty="0">
-                <a:hlinkClick r:id="rId3"/>
-              </a:rPr>
-              <a:t>https://github.com/LinhNgaNguyen/STAT390/tree/main/Eli</a:t>
+          </a:p>
+          <a:p>
+            <a:r>
+              <a:rPr lang="en-US" dirty="0"/>
+              <a:t>Check out kenny_code9.py in the above </a:t>
+            </a:r>
+            <a:r>
+              <a:rPr lang="en-US"/>
+              <a:t>zipped folder</a:t>
             </a:r>
             <a:endParaRPr lang="en-US" dirty="0"/>
           </a:p>
@@ -3496,6 +3505,69 @@
           </a:p>
         </p:txBody>
       </p:sp>
+      <p:graphicFrame>
+        <p:nvGraphicFramePr>
+          <p:cNvPr id="4" name="Object 3">
+            <a:extLst>
+              <a:ext uri="{FF2B5EF4-FFF2-40B4-BE49-F238E27FC236}">
+                <a16:creationId xmlns:a16="http://schemas.microsoft.com/office/drawing/2014/main" id="{845F7898-9EC9-CF79-C7E1-8FED2663BD50}"/>
+              </a:ext>
+            </a:extLst>
+          </p:cNvPr>
+          <p:cNvGraphicFramePr>
+            <a:graphicFrameLocks noChangeAspect="1"/>
+          </p:cNvGraphicFramePr>
+          <p:nvPr>
+            <p:extLst>
+              <p:ext uri="{D42A27DB-BD31-4B8C-83A1-F6EECF244321}">
+                <p14:modId xmlns:p14="http://schemas.microsoft.com/office/powerpoint/2010/main" val="3559008900"/>
+              </p:ext>
+            </p:extLst>
+          </p:nvPr>
+        </p:nvGraphicFramePr>
+        <p:xfrm>
+          <a:off x="2504710" y="4100918"/>
+          <a:ext cx="381000" cy="522287"/>
+        </p:xfrm>
+        <a:graphic>
+          <a:graphicData uri="http://schemas.openxmlformats.org/presentationml/2006/ole">
+            <mc:AlternateContent xmlns:mc="http://schemas.openxmlformats.org/markup-compatibility/2006">
+              <mc:Choice xmlns:v="urn:schemas-microsoft-com:vml" Requires="v">
+                <p:oleObj name="Packager Shell Object" showAsIcon="1" r:id="rId3" imgW="381000" imgH="522079" progId="Package">
+                  <p:embed/>
+                </p:oleObj>
+              </mc:Choice>
+              <mc:Fallback>
+                <p:oleObj name="Packager Shell Object" showAsIcon="1" r:id="rId3" imgW="381000" imgH="522079" progId="Package">
+                  <p:embed/>
+                  <p:pic>
+                    <p:nvPicPr>
+                      <p:cNvPr id="0" name=""/>
+                      <p:cNvPicPr/>
+                      <p:nvPr/>
+                    </p:nvPicPr>
+                    <p:blipFill>
+                      <a:blip r:embed="rId4"/>
+                      <a:stretch>
+                        <a:fillRect/>
+                      </a:stretch>
+                    </p:blipFill>
+                    <p:spPr>
+                      <a:xfrm>
+                        <a:off x="2504710" y="4100918"/>
+                        <a:ext cx="381000" cy="522287"/>
+                      </a:xfrm>
+                      <a:prstGeom prst="rect">
+                        <a:avLst/>
+                      </a:prstGeom>
+                    </p:spPr>
+                  </p:pic>
+                </p:oleObj>
+              </mc:Fallback>
+            </mc:AlternateContent>
+          </a:graphicData>
+        </a:graphic>
+      </p:graphicFrame>
     </p:spTree>
     <p:extLst>
       <p:ext uri="{BB962C8B-B14F-4D97-AF65-F5344CB8AC3E}">
